--- a/presentation/en/presentation2.pptx
+++ b/presentation/en/presentation2.pptx
@@ -217,7 +217,7 @@
           <a:p>
             <a:fld id="{3C6B0573-E84D-411F-83E6-927D45D38F37}" type="datetimeFigureOut">
               <a:rPr lang="fr-CH" smtClean="0"/>
-              <a:t>14.10.2015</a:t>
+              <a:t>12.06.2016</a:t>
             </a:fld>
             <a:endParaRPr lang="fr-CH"/>
           </a:p>
@@ -384,7 +384,7 @@
             <a:fld id="{9BF15219-E518-4F4F-A7FD-143A6C395AF1}" type="datetimeFigureOut">
               <a:rPr lang="fr-FR" smtClean="0"/>
               <a:pPr/>
-              <a:t>14/10/2015</a:t>
+              <a:t>12/06/2016</a:t>
             </a:fld>
             <a:endParaRPr lang="fr-CH"/>
           </a:p>
@@ -4388,7 +4388,7 @@
           <a:p>
             <a:fld id="{B8805202-FB89-49B6-8EF1-81B9BCDABD5B}" type="datetime1">
               <a:rPr lang="fr-FR" smtClean="0"/>
-              <a:t>14/10/2015</a:t>
+              <a:t>12/06/2016</a:t>
             </a:fld>
             <a:endParaRPr lang="fr-BE" dirty="0"/>
           </a:p>
@@ -4554,7 +4554,7 @@
           <a:p>
             <a:fld id="{1928A91D-E1E5-4718-9228-38EB4229E4BE}" type="datetime1">
               <a:rPr lang="fr-FR" smtClean="0"/>
-              <a:t>14/10/2015</a:t>
+              <a:t>12/06/2016</a:t>
             </a:fld>
             <a:endParaRPr lang="fr-BE" dirty="0"/>
           </a:p>
@@ -4730,7 +4730,7 @@
           <a:p>
             <a:fld id="{722320D4-4367-45D9-93F8-2F57D6417E8F}" type="datetime1">
               <a:rPr lang="fr-FR" smtClean="0"/>
-              <a:t>14/10/2015</a:t>
+              <a:t>12/06/2016</a:t>
             </a:fld>
             <a:endParaRPr lang="fr-BE" dirty="0"/>
           </a:p>
@@ -4896,7 +4896,7 @@
           <a:p>
             <a:fld id="{1FF734EF-6713-4AD5-A177-1DC67BD1323B}" type="datetime1">
               <a:rPr lang="fr-FR" smtClean="0"/>
-              <a:t>14/10/2015</a:t>
+              <a:t>12/06/2016</a:t>
             </a:fld>
             <a:endParaRPr lang="fr-BE" dirty="0"/>
           </a:p>
@@ -5139,7 +5139,7 @@
           <a:p>
             <a:fld id="{338A0164-937D-45E2-A29C-3BDD948B28F9}" type="datetime1">
               <a:rPr lang="fr-FR" smtClean="0"/>
-              <a:t>14/10/2015</a:t>
+              <a:t>12/06/2016</a:t>
             </a:fld>
             <a:endParaRPr lang="fr-BE" dirty="0"/>
           </a:p>
@@ -5404,7 +5404,7 @@
           <a:p>
             <a:fld id="{C3294E45-4774-4DB1-9AEC-E1FB31681C07}" type="datetime1">
               <a:rPr lang="fr-FR" smtClean="0"/>
-              <a:t>14/10/2015</a:t>
+              <a:t>12/06/2016</a:t>
             </a:fld>
             <a:endParaRPr lang="fr-BE" dirty="0"/>
           </a:p>
@@ -5783,7 +5783,7 @@
           <a:p>
             <a:fld id="{177554CD-0189-487A-8A67-0FFD1F257931}" type="datetime1">
               <a:rPr lang="fr-FR" smtClean="0"/>
-              <a:t>14/10/2015</a:t>
+              <a:t>12/06/2016</a:t>
             </a:fld>
             <a:endParaRPr lang="fr-BE" dirty="0"/>
           </a:p>
@@ -5934,7 +5934,7 @@
           <a:p>
             <a:fld id="{E892F7BB-4F09-46D5-B08F-121DAC16A20B}" type="datetime1">
               <a:rPr lang="fr-FR" smtClean="0"/>
-              <a:t>14/10/2015</a:t>
+              <a:t>12/06/2016</a:t>
             </a:fld>
             <a:endParaRPr lang="fr-BE" dirty="0"/>
           </a:p>
@@ -6025,7 +6025,7 @@
           <a:p>
             <a:fld id="{2FD4BF16-3F48-443C-9712-9817CBCE6324}" type="datetime1">
               <a:rPr lang="fr-FR" smtClean="0"/>
-              <a:t>14/10/2015</a:t>
+              <a:t>12/06/2016</a:t>
             </a:fld>
             <a:endParaRPr lang="fr-BE" dirty="0"/>
           </a:p>
@@ -6287,7 +6287,7 @@
           <a:p>
             <a:fld id="{0A8DC6B6-2312-4EEE-924D-BDA5E5F56BBE}" type="datetime1">
               <a:rPr lang="fr-FR" smtClean="0"/>
-              <a:t>14/10/2015</a:t>
+              <a:t>12/06/2016</a:t>
             </a:fld>
             <a:endParaRPr lang="fr-BE" dirty="0"/>
           </a:p>
@@ -6576,7 +6576,7 @@
           <a:p>
             <a:fld id="{3F11A625-C0CB-43F7-A97C-8C4912C5C969}" type="datetime1">
               <a:rPr lang="fr-FR" smtClean="0"/>
-              <a:t>14/10/2015</a:t>
+              <a:t>12/06/2016</a:t>
             </a:fld>
             <a:endParaRPr lang="fr-BE" dirty="0"/>
           </a:p>
@@ -7348,7 +7348,7 @@
           <a:p>
             <a:fld id="{97600BD2-8C64-4EE3-B6D8-8CBFF30FE641}" type="datetime1">
               <a:rPr lang="fr-FR" smtClean="0"/>
-              <a:t>14/10/2015</a:t>
+              <a:t>12/06/2016</a:t>
             </a:fld>
             <a:endParaRPr lang="fr-BE" dirty="0"/>
           </a:p>
@@ -8102,8 +8102,12 @@
           <a:lstStyle/>
           <a:p>
             <a:r>
+              <a:rPr lang="en-GB" dirty="0" smtClean="0"/>
+              <a:t>Make </a:t>
+            </a:r>
+            <a:r>
               <a:rPr lang="en-GB" dirty="0"/>
-              <a:t>Make things </a:t>
+              <a:t>things </a:t>
             </a:r>
             <a:r>
               <a:rPr lang="en-GB" dirty="0" err="1"/>
@@ -8153,34 +8157,12 @@
           <a:prstGeom prst="rect">
             <a:avLst/>
           </a:prstGeom>
-          <a:solidFill>
-            <a:srgbClr val="FFFFFF"/>
-          </a:solidFill>
+          <a:noFill/>
           <a:ln>
             <a:noFill/>
           </a:ln>
           <a:effectLst/>
-          <a:extLst>
-            <a:ext uri="{91240B29-F687-4F45-9708-019B960494DF}">
-              <a14:hiddenLine xmlns:a14="http://schemas.microsoft.com/office/drawing/2010/main" w="9525">
-                <a:solidFill>
-                  <a:schemeClr val="tx1"/>
-                </a:solidFill>
-                <a:miter lim="800000"/>
-                <a:headEnd/>
-                <a:tailEnd/>
-              </a14:hiddenLine>
-            </a:ext>
-            <a:ext uri="{AF507438-7753-43E0-B8FC-AC1667EBCBE1}">
-              <a14:hiddenEffects xmlns:a14="http://schemas.microsoft.com/office/drawing/2010/main">
-                <a:effectLst>
-                  <a:outerShdw dist="35921" dir="2700000" algn="ctr" rotWithShape="0">
-                    <a:schemeClr val="bg2"/>
-                  </a:outerShdw>
-                </a:effectLst>
-              </a14:hiddenEffects>
-            </a:ext>
-          </a:extLst>
+          <a:extLst/>
         </p:spPr>
         <p:txBody>
           <a:bodyPr vert="horz" wrap="none" lIns="91440" tIns="45720" rIns="91440" bIns="45720" numCol="1" anchor="ctr" anchorCtr="0" compatLnSpc="1">
@@ -9612,34 +9594,12 @@
           <a:prstGeom prst="rect">
             <a:avLst/>
           </a:prstGeom>
-          <a:solidFill>
-            <a:srgbClr val="FFFFFF"/>
-          </a:solidFill>
+          <a:noFill/>
           <a:ln>
             <a:noFill/>
           </a:ln>
           <a:effectLst/>
-          <a:extLst>
-            <a:ext uri="{91240B29-F687-4F45-9708-019B960494DF}">
-              <a14:hiddenLine xmlns:a14="http://schemas.microsoft.com/office/drawing/2010/main" w="9525">
-                <a:solidFill>
-                  <a:schemeClr val="tx1"/>
-                </a:solidFill>
-                <a:miter lim="800000"/>
-                <a:headEnd/>
-                <a:tailEnd/>
-              </a14:hiddenLine>
-            </a:ext>
-            <a:ext uri="{AF507438-7753-43E0-B8FC-AC1667EBCBE1}">
-              <a14:hiddenEffects xmlns:a14="http://schemas.microsoft.com/office/drawing/2010/main">
-                <a:effectLst>
-                  <a:outerShdw dist="35921" dir="2700000" algn="ctr" rotWithShape="0">
-                    <a:schemeClr val="bg2"/>
-                  </a:outerShdw>
-                </a:effectLst>
-              </a14:hiddenEffects>
-            </a:ext>
-          </a:extLst>
+          <a:extLst/>
         </p:spPr>
         <p:txBody>
           <a:bodyPr vert="horz" wrap="none" lIns="91440" tIns="45720" rIns="91440" bIns="45720" numCol="1" anchor="ctr" anchorCtr="0" compatLnSpc="1">
@@ -10758,49 +10718,104 @@
                 <a:latin typeface="+mj-lt"/>
                 <a:cs typeface="Courier New" pitchFamily="49" charset="0"/>
               </a:rPr>
-              <a:t>&lt;&lt; (</a:t>
-            </a:r>
-            <a:r>
-              <a:rPr kumimoji="0" lang="en-US" b="0" i="0" u="none" strike="noStrike" cap="none" normalizeH="0" baseline="0" dirty="0" smtClean="0">
-                <a:ln>
-                  <a:noFill/>
-                </a:ln>
-                <a:solidFill>
-                  <a:srgbClr val="000000"/>
+              <a:t>&lt;&lt; (that: Stream[</a:t>
+            </a:r>
+            <a:r>
+              <a:rPr kumimoji="0" lang="en-US" b="0" i="0" u="none" strike="noStrike" cap="none" normalizeH="0" baseline="0" dirty="0" smtClean="0">
+                <a:ln>
+                  <a:noFill/>
+                </a:ln>
+                <a:solidFill>
+                  <a:srgbClr val="20999D"/>
                 </a:solidFill>
                 <a:effectLst/>
                 <a:latin typeface="+mj-lt"/>
                 <a:cs typeface="Courier New" pitchFamily="49" charset="0"/>
               </a:rPr>
-              <a:t>that: Stream[</a:t>
-            </a:r>
-            <a:r>
-              <a:rPr kumimoji="0" lang="en-US" b="0" i="0" u="none" strike="noStrike" cap="none" normalizeH="0" baseline="0" dirty="0" smtClean="0">
-                <a:ln>
-                  <a:noFill/>
-                </a:ln>
-                <a:solidFill>
-                  <a:srgbClr val="20999D"/>
+              <a:t>T</a:t>
+            </a:r>
+            <a:r>
+              <a:rPr kumimoji="0" lang="en-US" b="0" i="0" u="none" strike="noStrike" cap="none" normalizeH="0" baseline="0" dirty="0" smtClean="0">
+                <a:ln>
+                  <a:noFill/>
+                </a:ln>
+                <a:solidFill>
+                  <a:srgbClr val="000000"/>
                 </a:solidFill>
                 <a:effectLst/>
                 <a:latin typeface="+mj-lt"/>
                 <a:cs typeface="Courier New" pitchFamily="49" charset="0"/>
               </a:rPr>
-              <a:t>T</a:t>
-            </a:r>
-            <a:r>
-              <a:rPr kumimoji="0" lang="en-US" b="0" i="0" u="none" strike="noStrike" cap="none" normalizeH="0" baseline="0" dirty="0" smtClean="0">
-                <a:ln>
-                  <a:noFill/>
-                </a:ln>
-                <a:solidFill>
-                  <a:srgbClr val="000000"/>
+              <a:t>]) = </a:t>
+            </a:r>
+            <a:r>
+              <a:rPr kumimoji="0" lang="en-US" b="1" i="0" u="none" strike="noStrike" cap="none" normalizeH="0" baseline="0" dirty="0" err="1" smtClean="0">
+                <a:ln>
+                  <a:noFill/>
+                </a:ln>
+                <a:solidFill>
+                  <a:srgbClr val="000080"/>
                 </a:solidFill>
                 <a:effectLst/>
                 <a:latin typeface="+mj-lt"/>
                 <a:cs typeface="Courier New" pitchFamily="49" charset="0"/>
               </a:rPr>
-              <a:t>]) = </a:t>
+              <a:t>this</a:t>
+            </a:r>
+            <a:r>
+              <a:rPr kumimoji="0" lang="en-US" b="0" i="0" u="none" strike="noStrike" cap="none" normalizeH="0" baseline="0" dirty="0" err="1" smtClean="0">
+                <a:ln>
+                  <a:noFill/>
+                </a:ln>
+                <a:solidFill>
+                  <a:srgbClr val="000000"/>
+                </a:solidFill>
+                <a:effectLst/>
+                <a:latin typeface="+mj-lt"/>
+                <a:cs typeface="Courier New" pitchFamily="49" charset="0"/>
+              </a:rPr>
+              <a:t>.connectFrom</a:t>
+            </a:r>
+            <a:r>
+              <a:rPr kumimoji="0" lang="en-US" b="0" i="0" u="none" strike="noStrike" cap="none" normalizeH="0" baseline="0" dirty="0" smtClean="0">
+                <a:ln>
+                  <a:noFill/>
+                </a:ln>
+                <a:solidFill>
+                  <a:srgbClr val="000000"/>
+                </a:solidFill>
+                <a:effectLst/>
+                <a:latin typeface="+mj-lt"/>
+                <a:cs typeface="Courier New" pitchFamily="49" charset="0"/>
+              </a:rPr>
+              <a:t>(that)</a:t>
+            </a:r>
+            <a:br>
+              <a:rPr kumimoji="0" lang="en-US" b="0" i="0" u="none" strike="noStrike" cap="none" normalizeH="0" baseline="0" dirty="0" smtClean="0">
+                <a:ln>
+                  <a:noFill/>
+                </a:ln>
+                <a:solidFill>
+                  <a:srgbClr val="000000"/>
+                </a:solidFill>
+                <a:effectLst/>
+                <a:latin typeface="+mj-lt"/>
+                <a:cs typeface="Courier New" pitchFamily="49" charset="0"/>
+              </a:rPr>
+            </a:br>
+            <a:r>
+              <a:rPr kumimoji="0" lang="en-US" b="0" i="0" u="none" strike="noStrike" cap="none" normalizeH="0" baseline="0" dirty="0" smtClean="0">
+                <a:ln>
+                  <a:noFill/>
+                </a:ln>
+                <a:solidFill>
+                  <a:srgbClr val="000000"/>
+                </a:solidFill>
+                <a:effectLst/>
+                <a:latin typeface="+mj-lt"/>
+                <a:cs typeface="Courier New" pitchFamily="49" charset="0"/>
+              </a:rPr>
+              <a:t>  </a:t>
             </a:r>
             <a:r>
               <a:rPr kumimoji="0" lang="en-US" b="1" i="0" u="none" strike="noStrike" cap="none" normalizeH="0" baseline="0" dirty="0" err="1" smtClean="0">
@@ -10814,21 +10829,21 @@
                 <a:latin typeface="+mj-lt"/>
                 <a:cs typeface="Courier New" pitchFamily="49" charset="0"/>
               </a:rPr>
-              <a:t>this</a:t>
-            </a:r>
-            <a:r>
-              <a:rPr kumimoji="0" lang="en-US" b="0" i="0" u="none" strike="noStrike" cap="none" normalizeH="0" baseline="0" dirty="0" err="1" smtClean="0">
-                <a:ln>
-                  <a:noFill/>
-                </a:ln>
-                <a:solidFill>
-                  <a:srgbClr val="000000"/>
+              <a:t>def</a:t>
+            </a:r>
+            <a:r>
+              <a:rPr kumimoji="0" lang="en-US" b="1" i="0" u="none" strike="noStrike" cap="none" normalizeH="0" baseline="0" dirty="0" smtClean="0">
+                <a:ln>
+                  <a:noFill/>
+                </a:ln>
+                <a:solidFill>
+                  <a:srgbClr val="000080"/>
                 </a:solidFill>
                 <a:effectLst/>
                 <a:latin typeface="+mj-lt"/>
                 <a:cs typeface="Courier New" pitchFamily="49" charset="0"/>
               </a:rPr>
-              <a:t>.connectFrom</a:t>
+              <a:t> </a:t>
             </a:r>
             <a:r>
               <a:rPr kumimoji="0" lang="en-US" b="0" i="0" u="none" strike="noStrike" cap="none" normalizeH="0" baseline="0" dirty="0" smtClean="0">
@@ -10842,90 +10857,7 @@
                 <a:latin typeface="+mj-lt"/>
                 <a:cs typeface="Courier New" pitchFamily="49" charset="0"/>
               </a:rPr>
-              <a:t>(that)</a:t>
-            </a:r>
-            <a:br>
-              <a:rPr kumimoji="0" lang="en-US" b="0" i="0" u="none" strike="noStrike" cap="none" normalizeH="0" baseline="0" dirty="0" smtClean="0">
-                <a:ln>
-                  <a:noFill/>
-                </a:ln>
-                <a:solidFill>
-                  <a:srgbClr val="000000"/>
-                </a:solidFill>
-                <a:effectLst/>
-                <a:latin typeface="+mj-lt"/>
-                <a:cs typeface="Courier New" pitchFamily="49" charset="0"/>
-              </a:rPr>
-            </a:br>
-            <a:r>
-              <a:rPr kumimoji="0" lang="en-US" b="0" i="0" u="none" strike="noStrike" cap="none" normalizeH="0" baseline="0" dirty="0" smtClean="0">
-                <a:ln>
-                  <a:noFill/>
-                </a:ln>
-                <a:solidFill>
-                  <a:srgbClr val="000000"/>
-                </a:solidFill>
-                <a:effectLst/>
-                <a:latin typeface="+mj-lt"/>
-                <a:cs typeface="Courier New" pitchFamily="49" charset="0"/>
-              </a:rPr>
-              <a:t>  </a:t>
-            </a:r>
-            <a:r>
-              <a:rPr kumimoji="0" lang="en-US" b="1" i="0" u="none" strike="noStrike" cap="none" normalizeH="0" baseline="0" dirty="0" err="1" smtClean="0">
-                <a:ln>
-                  <a:noFill/>
-                </a:ln>
-                <a:solidFill>
-                  <a:srgbClr val="000080"/>
-                </a:solidFill>
-                <a:effectLst/>
-                <a:latin typeface="+mj-lt"/>
-                <a:cs typeface="Courier New" pitchFamily="49" charset="0"/>
-              </a:rPr>
-              <a:t>def</a:t>
-            </a:r>
-            <a:r>
-              <a:rPr kumimoji="0" lang="en-US" b="1" i="0" u="none" strike="noStrike" cap="none" normalizeH="0" baseline="0" dirty="0" smtClean="0">
-                <a:ln>
-                  <a:noFill/>
-                </a:ln>
-                <a:solidFill>
-                  <a:srgbClr val="000080"/>
-                </a:solidFill>
-                <a:effectLst/>
-                <a:latin typeface="+mj-lt"/>
-                <a:cs typeface="Courier New" pitchFamily="49" charset="0"/>
-              </a:rPr>
-              <a:t> </a:t>
-            </a:r>
-            <a:r>
-              <a:rPr kumimoji="0" lang="en-US" b="0" i="0" u="none" strike="noStrike" cap="none" normalizeH="0" baseline="0" dirty="0" smtClean="0">
-                <a:ln>
-                  <a:noFill/>
-                </a:ln>
-                <a:solidFill>
-                  <a:srgbClr val="000000"/>
-                </a:solidFill>
-                <a:effectLst/>
-                <a:latin typeface="+mj-lt"/>
-                <a:cs typeface="Courier New" pitchFamily="49" charset="0"/>
-              </a:rPr>
-              <a:t>&lt;-&lt; (</a:t>
-            </a:r>
-            <a:r>
-              <a:rPr kumimoji="0" lang="en-US" b="0" i="0" u="none" strike="noStrike" cap="none" normalizeH="0" baseline="0" dirty="0" smtClean="0">
-                <a:ln>
-                  <a:noFill/>
-                </a:ln>
-                <a:solidFill>
-                  <a:srgbClr val="000000"/>
-                </a:solidFill>
-                <a:effectLst/>
-                <a:latin typeface="+mj-lt"/>
-                <a:cs typeface="Courier New" pitchFamily="49" charset="0"/>
-              </a:rPr>
-              <a:t>that: Stream[</a:t>
+              <a:t>&lt;-&lt; (that: Stream[</a:t>
             </a:r>
             <a:r>
               <a:rPr kumimoji="0" lang="en-US" b="0" i="0" u="none" strike="noStrike" cap="none" normalizeH="0" baseline="0" dirty="0" smtClean="0">
@@ -11489,7 +11421,6 @@
               <a:rPr lang="en-GB" dirty="0"/>
               <a:t>Logic generator</a:t>
             </a:r>
-            <a:endParaRPr lang="en-GB" dirty="0"/>
           </a:p>
         </p:txBody>
       </p:sp>
@@ -11695,34 +11626,12 @@
           <a:prstGeom prst="rect">
             <a:avLst/>
           </a:prstGeom>
-          <a:solidFill>
-            <a:srgbClr val="FFFFFF"/>
-          </a:solidFill>
+          <a:noFill/>
           <a:ln>
             <a:noFill/>
           </a:ln>
           <a:effectLst/>
-          <a:extLst>
-            <a:ext uri="{91240B29-F687-4F45-9708-019B960494DF}">
-              <a14:hiddenLine xmlns:a14="http://schemas.microsoft.com/office/drawing/2010/main" w="9525">
-                <a:solidFill>
-                  <a:schemeClr val="tx1"/>
-                </a:solidFill>
-                <a:miter lim="800000"/>
-                <a:headEnd/>
-                <a:tailEnd/>
-              </a14:hiddenLine>
-            </a:ext>
-            <a:ext uri="{AF507438-7753-43E0-B8FC-AC1667EBCBE1}">
-              <a14:hiddenEffects xmlns:a14="http://schemas.microsoft.com/office/drawing/2010/main">
-                <a:effectLst>
-                  <a:outerShdw dist="35921" dir="2700000" algn="ctr" rotWithShape="0">
-                    <a:schemeClr val="bg2"/>
-                  </a:outerShdw>
-                </a:effectLst>
-              </a14:hiddenEffects>
-            </a:ext>
-          </a:extLst>
+          <a:extLst/>
         </p:spPr>
         <p:txBody>
           <a:bodyPr vert="horz" wrap="none" lIns="91440" tIns="45720" rIns="91440" bIns="45720" numCol="1" anchor="ctr" anchorCtr="0" compatLnSpc="1">
@@ -13594,34 +13503,12 @@
           <a:prstGeom prst="rect">
             <a:avLst/>
           </a:prstGeom>
-          <a:solidFill>
-            <a:srgbClr val="FFFFFF"/>
-          </a:solidFill>
+          <a:noFill/>
           <a:ln>
             <a:noFill/>
           </a:ln>
           <a:effectLst/>
-          <a:extLst>
-            <a:ext uri="{91240B29-F687-4F45-9708-019B960494DF}">
-              <a14:hiddenLine xmlns:a14="http://schemas.microsoft.com/office/drawing/2010/main" w="9525">
-                <a:solidFill>
-                  <a:schemeClr val="tx1"/>
-                </a:solidFill>
-                <a:miter lim="800000"/>
-                <a:headEnd/>
-                <a:tailEnd/>
-              </a14:hiddenLine>
-            </a:ext>
-            <a:ext uri="{AF507438-7753-43E0-B8FC-AC1667EBCBE1}">
-              <a14:hiddenEffects xmlns:a14="http://schemas.microsoft.com/office/drawing/2010/main">
-                <a:effectLst>
-                  <a:outerShdw dist="35921" dir="2700000" algn="ctr" rotWithShape="0">
-                    <a:schemeClr val="bg2"/>
-                  </a:outerShdw>
-                </a:effectLst>
-              </a14:hiddenEffects>
-            </a:ext>
-          </a:extLst>
+          <a:extLst/>
         </p:spPr>
         <p:txBody>
           <a:bodyPr vert="horz" wrap="none" lIns="91440" tIns="45720" rIns="91440" bIns="45720" numCol="1" anchor="ctr" anchorCtr="0" compatLnSpc="1">
@@ -17318,7 +17205,6 @@
               <a:rPr lang="en-GB" dirty="0"/>
               <a:t>Less line</a:t>
             </a:r>
-            <a:endParaRPr lang="en-GB" dirty="0"/>
           </a:p>
         </p:txBody>
       </p:sp>
@@ -17362,34 +17248,12 @@
           <a:prstGeom prst="rect">
             <a:avLst/>
           </a:prstGeom>
-          <a:solidFill>
-            <a:srgbClr val="FFFFFF"/>
-          </a:solidFill>
+          <a:noFill/>
           <a:ln>
             <a:noFill/>
           </a:ln>
           <a:effectLst/>
-          <a:extLst>
-            <a:ext uri="{91240B29-F687-4F45-9708-019B960494DF}">
-              <a14:hiddenLine xmlns:a14="http://schemas.microsoft.com/office/drawing/2010/main" w="9525">
-                <a:solidFill>
-                  <a:schemeClr val="tx1"/>
-                </a:solidFill>
-                <a:miter lim="800000"/>
-                <a:headEnd/>
-                <a:tailEnd/>
-              </a14:hiddenLine>
-            </a:ext>
-            <a:ext uri="{AF507438-7753-43E0-B8FC-AC1667EBCBE1}">
-              <a14:hiddenEffects xmlns:a14="http://schemas.microsoft.com/office/drawing/2010/main">
-                <a:effectLst>
-                  <a:outerShdw dist="35921" dir="2700000" algn="ctr" rotWithShape="0">
-                    <a:schemeClr val="bg2"/>
-                  </a:outerShdw>
-                </a:effectLst>
-              </a14:hiddenEffects>
-            </a:ext>
-          </a:extLst>
+          <a:extLst/>
         </p:spPr>
         <p:txBody>
           <a:bodyPr vert="horz" wrap="none" lIns="91440" tIns="45720" rIns="91440" bIns="45720" numCol="1" anchor="ctr" anchorCtr="0" compatLnSpc="1">
@@ -21757,11 +21621,7 @@
             </a:r>
             <a:r>
               <a:rPr lang="en-GB" dirty="0" smtClean="0"/>
-              <a:t> </a:t>
-            </a:r>
-            <a:r>
-              <a:rPr lang="en-GB" dirty="0" smtClean="0"/>
-              <a:t>analyser</a:t>
+              <a:t> analyser</a:t>
             </a:r>
             <a:endParaRPr lang="en-GB" dirty="0"/>
           </a:p>
@@ -23720,15 +23580,32 @@
           <a:p>
             <a:r>
               <a:rPr lang="en-GB" dirty="0" smtClean="0"/>
-              <a:t>Pointing problems by </a:t>
-            </a:r>
+              <a:t>Pointing problems by using non-common HDL</a:t>
+            </a:r>
+          </a:p>
+          <a:p>
+            <a:pPr lvl="1"/>
             <a:r>
               <a:rPr lang="en-GB" dirty="0" smtClean="0"/>
-              <a:t>using </a:t>
-            </a:r>
+              <a:t>Verbosity</a:t>
+            </a:r>
+          </a:p>
+          <a:p>
+            <a:pPr lvl="1"/>
             <a:r>
               <a:rPr lang="en-GB" dirty="0" smtClean="0"/>
-              <a:t>non-common HDL</a:t>
+              <a:t>Parameterization / reusability</a:t>
+            </a:r>
+          </a:p>
+          <a:p>
+            <a:pPr lvl="1"/>
+            <a:r>
+              <a:rPr lang="en-GB" dirty="0" smtClean="0"/>
+              <a:t>Logic </a:t>
+            </a:r>
+            <a:r>
+              <a:rPr lang="en-GB" dirty="0" err="1" smtClean="0"/>
+              <a:t>inferation</a:t>
             </a:r>
             <a:endParaRPr lang="en-GB" dirty="0" smtClean="0"/>
           </a:p>
@@ -23736,46 +23613,15 @@
             <a:pPr lvl="1"/>
             <a:r>
               <a:rPr lang="en-GB" dirty="0" smtClean="0"/>
-              <a:t>Verbosity</a:t>
+              <a:t>Lack of abstraction</a:t>
             </a:r>
           </a:p>
           <a:p>
             <a:pPr lvl="1"/>
             <a:r>
               <a:rPr lang="en-GB" dirty="0" smtClean="0"/>
-              <a:t>Parameterization / reusability</a:t>
-            </a:r>
-          </a:p>
-          <a:p>
-            <a:pPr lvl="1"/>
-            <a:r>
-              <a:rPr lang="en-GB" dirty="0" smtClean="0"/>
-              <a:t>Logic </a:t>
-            </a:r>
-            <a:r>
-              <a:rPr lang="en-GB" dirty="0" err="1" smtClean="0"/>
-              <a:t>inferation</a:t>
-            </a:r>
-            <a:endParaRPr lang="en-GB" dirty="0" smtClean="0"/>
-          </a:p>
-          <a:p>
-            <a:pPr lvl="1"/>
-            <a:r>
-              <a:rPr lang="en-GB" dirty="0" smtClean="0"/>
-              <a:t>Lack of </a:t>
-            </a:r>
-            <a:r>
-              <a:rPr lang="en-GB" dirty="0" smtClean="0"/>
-              <a:t>abstraction</a:t>
-            </a:r>
-          </a:p>
-          <a:p>
-            <a:pPr lvl="1"/>
-            <a:r>
-              <a:rPr lang="en-GB" dirty="0" smtClean="0"/>
               <a:t>Lack of structure</a:t>
             </a:r>
-            <a:endParaRPr lang="en-GB" dirty="0" smtClean="0"/>
           </a:p>
           <a:p>
             <a:pPr lvl="1"/>
@@ -24052,11 +23898,7 @@
           <a:p>
             <a:r>
               <a:rPr lang="en-GB" dirty="0" smtClean="0"/>
-              <a:t>Allow you to extend the </a:t>
-            </a:r>
-            <a:r>
-              <a:rPr lang="en-GB" dirty="0" smtClean="0"/>
-              <a:t>language</a:t>
+              <a:t>Allow you to extend the language</a:t>
             </a:r>
           </a:p>
           <a:p>
@@ -24064,7 +23906,6 @@
               <a:rPr lang="en-GB" dirty="0" smtClean="0"/>
               <a:t>Library</a:t>
             </a:r>
-            <a:endParaRPr lang="en-GB" dirty="0" smtClean="0"/>
           </a:p>
           <a:p>
             <a:pPr lvl="1"/>
@@ -24251,7 +24092,6 @@
               <a:rPr lang="en-GB" dirty="0" smtClean="0"/>
               <a:t>Keep the hierarchy and names</a:t>
             </a:r>
-            <a:endParaRPr lang="en-GB" dirty="0" smtClean="0"/>
           </a:p>
           <a:p>
             <a:r>
@@ -25693,34 +25533,12 @@
           <a:prstGeom prst="rect">
             <a:avLst/>
           </a:prstGeom>
-          <a:solidFill>
-            <a:srgbClr val="FFFFFF"/>
-          </a:solidFill>
+          <a:noFill/>
           <a:ln>
             <a:noFill/>
           </a:ln>
           <a:effectLst/>
-          <a:extLst>
-            <a:ext uri="{91240B29-F687-4F45-9708-019B960494DF}">
-              <a14:hiddenLine xmlns:a14="http://schemas.microsoft.com/office/drawing/2010/main" w="9525">
-                <a:solidFill>
-                  <a:schemeClr val="tx1"/>
-                </a:solidFill>
-                <a:miter lim="800000"/>
-                <a:headEnd/>
-                <a:tailEnd/>
-              </a14:hiddenLine>
-            </a:ext>
-            <a:ext uri="{AF507438-7753-43E0-B8FC-AC1667EBCBE1}">
-              <a14:hiddenEffects xmlns:a14="http://schemas.microsoft.com/office/drawing/2010/main">
-                <a:effectLst>
-                  <a:outerShdw dist="35921" dir="2700000" algn="ctr" rotWithShape="0">
-                    <a:schemeClr val="bg2"/>
-                  </a:outerShdw>
-                </a:effectLst>
-              </a14:hiddenEffects>
-            </a:ext>
-          </a:extLst>
+          <a:extLst/>
         </p:spPr>
         <p:txBody>
           <a:bodyPr vert="horz" wrap="none" lIns="91440" tIns="45720" rIns="91440" bIns="45720" numCol="1" anchor="ctr" anchorCtr="0" compatLnSpc="1">
@@ -27677,34 +27495,12 @@
           <a:prstGeom prst="rect">
             <a:avLst/>
           </a:prstGeom>
-          <a:solidFill>
-            <a:srgbClr val="FFFFFF"/>
-          </a:solidFill>
+          <a:noFill/>
           <a:ln>
             <a:noFill/>
           </a:ln>
           <a:effectLst/>
-          <a:extLst>
-            <a:ext uri="{91240B29-F687-4F45-9708-019B960494DF}">
-              <a14:hiddenLine xmlns:a14="http://schemas.microsoft.com/office/drawing/2010/main" w="9525">
-                <a:solidFill>
-                  <a:schemeClr val="tx1"/>
-                </a:solidFill>
-                <a:miter lim="800000"/>
-                <a:headEnd/>
-                <a:tailEnd/>
-              </a14:hiddenLine>
-            </a:ext>
-            <a:ext uri="{AF507438-7753-43E0-B8FC-AC1667EBCBE1}">
-              <a14:hiddenEffects xmlns:a14="http://schemas.microsoft.com/office/drawing/2010/main">
-                <a:effectLst>
-                  <a:outerShdw dist="35921" dir="2700000" algn="ctr" rotWithShape="0">
-                    <a:schemeClr val="bg2"/>
-                  </a:outerShdw>
-                </a:effectLst>
-              </a14:hiddenEffects>
-            </a:ext>
-          </a:extLst>
+          <a:extLst/>
         </p:spPr>
         <p:txBody>
           <a:bodyPr vert="horz" wrap="none" lIns="91440" tIns="45720" rIns="91440" bIns="45720" numCol="1" anchor="ctr" anchorCtr="0" compatLnSpc="1">
@@ -28190,34 +27986,12 @@
           <a:prstGeom prst="rect">
             <a:avLst/>
           </a:prstGeom>
-          <a:solidFill>
-            <a:srgbClr val="FFFFFF"/>
-          </a:solidFill>
+          <a:noFill/>
           <a:ln>
             <a:noFill/>
           </a:ln>
           <a:effectLst/>
-          <a:extLst>
-            <a:ext uri="{91240B29-F687-4F45-9708-019B960494DF}">
-              <a14:hiddenLine xmlns:a14="http://schemas.microsoft.com/office/drawing/2010/main" w="9525">
-                <a:solidFill>
-                  <a:schemeClr val="tx1"/>
-                </a:solidFill>
-                <a:miter lim="800000"/>
-                <a:headEnd/>
-                <a:tailEnd/>
-              </a14:hiddenLine>
-            </a:ext>
-            <a:ext uri="{AF507438-7753-43E0-B8FC-AC1667EBCBE1}">
-              <a14:hiddenEffects xmlns:a14="http://schemas.microsoft.com/office/drawing/2010/main">
-                <a:effectLst>
-                  <a:outerShdw dist="35921" dir="2700000" algn="ctr" rotWithShape="0">
-                    <a:schemeClr val="bg2"/>
-                  </a:outerShdw>
-                </a:effectLst>
-              </a14:hiddenEffects>
-            </a:ext>
-          </a:extLst>
+          <a:extLst/>
         </p:spPr>
         <p:txBody>
           <a:bodyPr vert="horz" wrap="none" lIns="91440" tIns="45720" rIns="91440" bIns="45720" numCol="1" anchor="ctr" anchorCtr="0" compatLnSpc="1">
@@ -29213,34 +28987,12 @@
           <a:prstGeom prst="rect">
             <a:avLst/>
           </a:prstGeom>
-          <a:solidFill>
-            <a:srgbClr val="FFFFFF"/>
-          </a:solidFill>
+          <a:noFill/>
           <a:ln>
             <a:noFill/>
           </a:ln>
           <a:effectLst/>
-          <a:extLst>
-            <a:ext uri="{91240B29-F687-4F45-9708-019B960494DF}">
-              <a14:hiddenLine xmlns:a14="http://schemas.microsoft.com/office/drawing/2010/main" w="9525">
-                <a:solidFill>
-                  <a:schemeClr val="tx1"/>
-                </a:solidFill>
-                <a:miter lim="800000"/>
-                <a:headEnd/>
-                <a:tailEnd/>
-              </a14:hiddenLine>
-            </a:ext>
-            <a:ext uri="{AF507438-7753-43E0-B8FC-AC1667EBCBE1}">
-              <a14:hiddenEffects xmlns:a14="http://schemas.microsoft.com/office/drawing/2010/main">
-                <a:effectLst>
-                  <a:outerShdw dist="35921" dir="2700000" algn="ctr" rotWithShape="0">
-                    <a:schemeClr val="bg2"/>
-                  </a:outerShdw>
-                </a:effectLst>
-              </a14:hiddenEffects>
-            </a:ext>
-          </a:extLst>
+          <a:extLst/>
         </p:spPr>
         <p:txBody>
           <a:bodyPr vert="horz" wrap="none" lIns="91440" tIns="45720" rIns="91440" bIns="45720" numCol="1" anchor="ctr" anchorCtr="0" compatLnSpc="1">
@@ -30632,34 +30384,12 @@
           <a:prstGeom prst="rect">
             <a:avLst/>
           </a:prstGeom>
-          <a:solidFill>
-            <a:srgbClr val="FFFFFF"/>
-          </a:solidFill>
+          <a:noFill/>
           <a:ln>
             <a:noFill/>
           </a:ln>
           <a:effectLst/>
-          <a:extLst>
-            <a:ext uri="{91240B29-F687-4F45-9708-019B960494DF}">
-              <a14:hiddenLine xmlns:a14="http://schemas.microsoft.com/office/drawing/2010/main" w="9525">
-                <a:solidFill>
-                  <a:schemeClr val="tx1"/>
-                </a:solidFill>
-                <a:miter lim="800000"/>
-                <a:headEnd/>
-                <a:tailEnd/>
-              </a14:hiddenLine>
-            </a:ext>
-            <a:ext uri="{AF507438-7753-43E0-B8FC-AC1667EBCBE1}">
-              <a14:hiddenEffects xmlns:a14="http://schemas.microsoft.com/office/drawing/2010/main">
-                <a:effectLst>
-                  <a:outerShdw dist="35921" dir="2700000" algn="ctr" rotWithShape="0">
-                    <a:schemeClr val="bg2"/>
-                  </a:outerShdw>
-                </a:effectLst>
-              </a14:hiddenEffects>
-            </a:ext>
-          </a:extLst>
+          <a:extLst/>
         </p:spPr>
         <p:txBody>
           <a:bodyPr vert="horz" wrap="none" lIns="91440" tIns="45720" rIns="91440" bIns="45720" numCol="1" anchor="ctr" anchorCtr="0" compatLnSpc="1">
